--- a/Microsoft Access.pptx
+++ b/Microsoft Access.pptx
@@ -2,12 +2,14 @@
 <file path=ppt/presentation.xml><?xml version="1.0" encoding="utf-8"?>
 <p:presentation xmlns:a="http://schemas.openxmlformats.org/drawingml/2006/main" xmlns:r="http://schemas.openxmlformats.org/officeDocument/2006/relationships" xmlns:p="http://schemas.openxmlformats.org/presentationml/2006/main" saveSubsetFonts="1">
   <p:sldMasterIdLst>
-    <p:sldMasterId id="2147483694" r:id="rId1"/>
+    <p:sldMasterId id="2147483740" r:id="rId1"/>
   </p:sldMasterIdLst>
   <p:sldIdLst>
     <p:sldId id="256" r:id="rId2"/>
     <p:sldId id="258" r:id="rId3"/>
     <p:sldId id="257" r:id="rId4"/>
+    <p:sldId id="259" r:id="rId5"/>
+    <p:sldId id="260" r:id="rId6"/>
   </p:sldIdLst>
   <p:sldSz cx="12192000" cy="6858000"/>
   <p:notesSz cx="6858000" cy="9144000"/>
@@ -106,7 +108,16 @@
       </a:defRPr>
     </a:lvl9pPr>
   </p:defaultTextStyle>
+  <p:extLst>
+    <p:ext uri="{EFAFB233-063F-42B5-8137-9DF3F51BA10A}">
+      <p15:sldGuideLst xmlns:p15="http://schemas.microsoft.com/office/powerpoint/2012/main"/>
+    </p:ext>
+  </p:extLst>
 </p:presentation>
+</file>
+
+<file path=ppt/revisionInfo.xml><?xml version="1.0" encoding="utf-8"?>
+<p1510:revInfo xmlns:a="http://schemas.openxmlformats.org/drawingml/2006/main" xmlns:r="http://schemas.openxmlformats.org/officeDocument/2006/relationships" xmlns:p1510="http://schemas.microsoft.com/office/powerpoint/2015/10/main"/>
 </file>
 
 <file path=ppt/slideLayouts/slideLayout1.xml><?xml version="1.0" encoding="utf-8"?>
@@ -884,7 +895,7 @@
     </p:spTree>
     <p:extLst>
       <p:ext uri="{BB962C8B-B14F-4D97-AF65-F5344CB8AC3E}">
-        <p14:creationId xmlns:p14="http://schemas.microsoft.com/office/powerpoint/2010/main" val="3882083133"/>
+        <p14:creationId xmlns:p14="http://schemas.microsoft.com/office/powerpoint/2010/main" val="3381050770"/>
       </p:ext>
     </p:extLst>
   </p:cSld>
@@ -1135,7 +1146,7 @@
     </p:spTree>
     <p:extLst>
       <p:ext uri="{BB962C8B-B14F-4D97-AF65-F5344CB8AC3E}">
-        <p14:creationId xmlns:p14="http://schemas.microsoft.com/office/powerpoint/2010/main" val="3311589136"/>
+        <p14:creationId xmlns:p14="http://schemas.microsoft.com/office/powerpoint/2010/main" val="2141768822"/>
       </p:ext>
     </p:extLst>
   </p:cSld>
@@ -1525,7 +1536,7 @@
     </p:spTree>
     <p:extLst>
       <p:ext uri="{BB962C8B-B14F-4D97-AF65-F5344CB8AC3E}">
-        <p14:creationId xmlns:p14="http://schemas.microsoft.com/office/powerpoint/2010/main" val="3181603234"/>
+        <p14:creationId xmlns:p14="http://schemas.microsoft.com/office/powerpoint/2010/main" val="3578178550"/>
       </p:ext>
     </p:extLst>
   </p:cSld>
@@ -1776,7 +1787,7 @@
     </p:spTree>
     <p:extLst>
       <p:ext uri="{BB962C8B-B14F-4D97-AF65-F5344CB8AC3E}">
-        <p14:creationId xmlns:p14="http://schemas.microsoft.com/office/powerpoint/2010/main" val="593936389"/>
+        <p14:creationId xmlns:p14="http://schemas.microsoft.com/office/powerpoint/2010/main" val="3944846431"/>
       </p:ext>
     </p:extLst>
   </p:cSld>
@@ -2166,7 +2177,7 @@
     </p:spTree>
     <p:extLst>
       <p:ext uri="{BB962C8B-B14F-4D97-AF65-F5344CB8AC3E}">
-        <p14:creationId xmlns:p14="http://schemas.microsoft.com/office/powerpoint/2010/main" val="3963698811"/>
+        <p14:creationId xmlns:p14="http://schemas.microsoft.com/office/powerpoint/2010/main" val="3722029874"/>
       </p:ext>
     </p:extLst>
   </p:cSld>
@@ -2477,7 +2488,7 @@
     </p:spTree>
     <p:extLst>
       <p:ext uri="{BB962C8B-B14F-4D97-AF65-F5344CB8AC3E}">
-        <p14:creationId xmlns:p14="http://schemas.microsoft.com/office/powerpoint/2010/main" val="1562494403"/>
+        <p14:creationId xmlns:p14="http://schemas.microsoft.com/office/powerpoint/2010/main" val="1417404891"/>
       </p:ext>
     </p:extLst>
   </p:cSld>
@@ -2647,7 +2658,7 @@
     </p:spTree>
     <p:extLst>
       <p:ext uri="{BB962C8B-B14F-4D97-AF65-F5344CB8AC3E}">
-        <p14:creationId xmlns:p14="http://schemas.microsoft.com/office/powerpoint/2010/main" val="2519663369"/>
+        <p14:creationId xmlns:p14="http://schemas.microsoft.com/office/powerpoint/2010/main" val="2478507493"/>
       </p:ext>
     </p:extLst>
   </p:cSld>
@@ -2827,7 +2838,7 @@
     </p:spTree>
     <p:extLst>
       <p:ext uri="{BB962C8B-B14F-4D97-AF65-F5344CB8AC3E}">
-        <p14:creationId xmlns:p14="http://schemas.microsoft.com/office/powerpoint/2010/main" val="2655816954"/>
+        <p14:creationId xmlns:p14="http://schemas.microsoft.com/office/powerpoint/2010/main" val="3875973593"/>
       </p:ext>
     </p:extLst>
   </p:cSld>
@@ -3003,7 +3014,7 @@
     </p:spTree>
     <p:extLst>
       <p:ext uri="{BB962C8B-B14F-4D97-AF65-F5344CB8AC3E}">
-        <p14:creationId xmlns:p14="http://schemas.microsoft.com/office/powerpoint/2010/main" val="3507096326"/>
+        <p14:creationId xmlns:p14="http://schemas.microsoft.com/office/powerpoint/2010/main" val="701362728"/>
       </p:ext>
     </p:extLst>
   </p:cSld>
@@ -3250,7 +3261,7 @@
     </p:spTree>
     <p:extLst>
       <p:ext uri="{BB962C8B-B14F-4D97-AF65-F5344CB8AC3E}">
-        <p14:creationId xmlns:p14="http://schemas.microsoft.com/office/powerpoint/2010/main" val="208659422"/>
+        <p14:creationId xmlns:p14="http://schemas.microsoft.com/office/powerpoint/2010/main" val="3496384242"/>
       </p:ext>
     </p:extLst>
   </p:cSld>
@@ -3482,7 +3493,7 @@
     </p:spTree>
     <p:extLst>
       <p:ext uri="{BB962C8B-B14F-4D97-AF65-F5344CB8AC3E}">
-        <p14:creationId xmlns:p14="http://schemas.microsoft.com/office/powerpoint/2010/main" val="1866962890"/>
+        <p14:creationId xmlns:p14="http://schemas.microsoft.com/office/powerpoint/2010/main" val="2385360404"/>
       </p:ext>
     </p:extLst>
   </p:cSld>
@@ -3856,7 +3867,7 @@
     </p:spTree>
     <p:extLst>
       <p:ext uri="{BB962C8B-B14F-4D97-AF65-F5344CB8AC3E}">
-        <p14:creationId xmlns:p14="http://schemas.microsoft.com/office/powerpoint/2010/main" val="123101783"/>
+        <p14:creationId xmlns:p14="http://schemas.microsoft.com/office/powerpoint/2010/main" val="384259735"/>
       </p:ext>
     </p:extLst>
   </p:cSld>
@@ -3979,7 +3990,7 @@
     </p:spTree>
     <p:extLst>
       <p:ext uri="{BB962C8B-B14F-4D97-AF65-F5344CB8AC3E}">
-        <p14:creationId xmlns:p14="http://schemas.microsoft.com/office/powerpoint/2010/main" val="400159490"/>
+        <p14:creationId xmlns:p14="http://schemas.microsoft.com/office/powerpoint/2010/main" val="1890062515"/>
       </p:ext>
     </p:extLst>
   </p:cSld>
@@ -4074,7 +4085,7 @@
     </p:spTree>
     <p:extLst>
       <p:ext uri="{BB962C8B-B14F-4D97-AF65-F5344CB8AC3E}">
-        <p14:creationId xmlns:p14="http://schemas.microsoft.com/office/powerpoint/2010/main" val="3395401400"/>
+        <p14:creationId xmlns:p14="http://schemas.microsoft.com/office/powerpoint/2010/main" val="3342446790"/>
       </p:ext>
     </p:extLst>
   </p:cSld>
@@ -4329,7 +4340,7 @@
     </p:spTree>
     <p:extLst>
       <p:ext uri="{BB962C8B-B14F-4D97-AF65-F5344CB8AC3E}">
-        <p14:creationId xmlns:p14="http://schemas.microsoft.com/office/powerpoint/2010/main" val="2253093742"/>
+        <p14:creationId xmlns:p14="http://schemas.microsoft.com/office/powerpoint/2010/main" val="1372232340"/>
       </p:ext>
     </p:extLst>
   </p:cSld>
@@ -4592,7 +4603,7 @@
     </p:spTree>
     <p:extLst>
       <p:ext uri="{BB962C8B-B14F-4D97-AF65-F5344CB8AC3E}">
-        <p14:creationId xmlns:p14="http://schemas.microsoft.com/office/powerpoint/2010/main" val="361475851"/>
+        <p14:creationId xmlns:p14="http://schemas.microsoft.com/office/powerpoint/2010/main" val="3768045921"/>
       </p:ext>
     </p:extLst>
   </p:cSld>
@@ -5371,28 +5382,28 @@
     </p:spTree>
     <p:extLst>
       <p:ext uri="{BB962C8B-B14F-4D97-AF65-F5344CB8AC3E}">
-        <p14:creationId xmlns:p14="http://schemas.microsoft.com/office/powerpoint/2010/main" val="2450756777"/>
+        <p14:creationId xmlns:p14="http://schemas.microsoft.com/office/powerpoint/2010/main" val="2015947955"/>
       </p:ext>
     </p:extLst>
   </p:cSld>
   <p:clrMap bg1="dk1" tx1="lt1" bg2="dk2" tx2="lt2" accent1="accent1" accent2="accent2" accent3="accent3" accent4="accent4" accent5="accent5" accent6="accent6" hlink="hlink" folHlink="folHlink"/>
   <p:sldLayoutIdLst>
-    <p:sldLayoutId id="2147483695" r:id="rId1"/>
-    <p:sldLayoutId id="2147483696" r:id="rId2"/>
-    <p:sldLayoutId id="2147483697" r:id="rId3"/>
-    <p:sldLayoutId id="2147483698" r:id="rId4"/>
-    <p:sldLayoutId id="2147483699" r:id="rId5"/>
-    <p:sldLayoutId id="2147483700" r:id="rId6"/>
-    <p:sldLayoutId id="2147483701" r:id="rId7"/>
-    <p:sldLayoutId id="2147483702" r:id="rId8"/>
-    <p:sldLayoutId id="2147483703" r:id="rId9"/>
-    <p:sldLayoutId id="2147483704" r:id="rId10"/>
-    <p:sldLayoutId id="2147483705" r:id="rId11"/>
-    <p:sldLayoutId id="2147483706" r:id="rId12"/>
-    <p:sldLayoutId id="2147483707" r:id="rId13"/>
-    <p:sldLayoutId id="2147483708" r:id="rId14"/>
-    <p:sldLayoutId id="2147483709" r:id="rId15"/>
-    <p:sldLayoutId id="2147483710" r:id="rId16"/>
+    <p:sldLayoutId id="2147483741" r:id="rId1"/>
+    <p:sldLayoutId id="2147483742" r:id="rId2"/>
+    <p:sldLayoutId id="2147483743" r:id="rId3"/>
+    <p:sldLayoutId id="2147483744" r:id="rId4"/>
+    <p:sldLayoutId id="2147483745" r:id="rId5"/>
+    <p:sldLayoutId id="2147483746" r:id="rId6"/>
+    <p:sldLayoutId id="2147483747" r:id="rId7"/>
+    <p:sldLayoutId id="2147483748" r:id="rId8"/>
+    <p:sldLayoutId id="2147483749" r:id="rId9"/>
+    <p:sldLayoutId id="2147483750" r:id="rId10"/>
+    <p:sldLayoutId id="2147483751" r:id="rId11"/>
+    <p:sldLayoutId id="2147483752" r:id="rId12"/>
+    <p:sldLayoutId id="2147483753" r:id="rId13"/>
+    <p:sldLayoutId id="2147483754" r:id="rId14"/>
+    <p:sldLayoutId id="2147483755" r:id="rId15"/>
+    <p:sldLayoutId id="2147483756" r:id="rId16"/>
   </p:sldLayoutIdLst>
   <p:txStyles>
     <p:titleStyle>
@@ -5930,7 +5941,11 @@
           <a:lstStyle/>
           <a:p>
             <a:r>
-              <a:rPr lang="de-AT" dirty="0"/>
+              <a:rPr lang="de-AT" dirty="0">
+                <a:solidFill>
+                  <a:srgbClr val="FF0000"/>
+                </a:solidFill>
+              </a:rPr>
               <a:t>Was kann MS Access (MS Access 2016)</a:t>
             </a:r>
           </a:p>
@@ -6046,15 +6061,24 @@
             <p:ph type="title"/>
           </p:nvPr>
         </p:nvSpPr>
-        <p:spPr/>
+        <p:spPr>
+          <a:xfrm>
+            <a:off x="677333" y="609600"/>
+            <a:ext cx="8835635" cy="1320800"/>
+          </a:xfrm>
+        </p:spPr>
         <p:txBody>
           <a:bodyPr/>
           <a:lstStyle/>
           <a:p>
             <a:pPr algn="ctr"/>
             <a:r>
-              <a:rPr lang="de-AT" dirty="0"/>
-              <a:t>MS Access Geschichte </a:t>
+              <a:rPr lang="de-AT" dirty="0">
+                <a:solidFill>
+                  <a:srgbClr val="FF0000"/>
+                </a:solidFill>
+              </a:rPr>
+              <a:t>MS Access Versionen &amp; Änderungen/Erweiterungen – Teil 1</a:t>
             </a:r>
           </a:p>
         </p:txBody>
@@ -6080,10 +6104,36 @@
           <a:bodyPr/>
           <a:lstStyle/>
           <a:p>
-            <a:pPr marL="0" indent="0">
-              <a:buNone/>
-            </a:pPr>
-            <a:endParaRPr lang="de-AT" dirty="0"/>
+            <a:r>
+              <a:rPr lang="de-AT" dirty="0"/>
+              <a:t>MS Access 1.0: spätes 1992, eine der ersten Desktopdatenbanken, max. Dateigröße 1GB</a:t>
+            </a:r>
+          </a:p>
+          <a:p>
+            <a:r>
+              <a:rPr lang="de-AT" dirty="0"/>
+              <a:t>MS Access 1.1: 1993, Kompatibilität mit anderen Microsoft Office Produkten, erste flexible Programmierung möglich mit „Access BASIC“, Optimale Desktopdatenbank für kleine und mittelgroße Unternehmen, Durch RAM-Limit konnten Datenverluste/-korruption auftreten. </a:t>
+            </a:r>
+          </a:p>
+          <a:p>
+            <a:r>
+              <a:rPr lang="de-AT" dirty="0"/>
+              <a:t>MS Access 95: 1995, Änderungen am GUI, wurde mit Windows95 eingeführt, VBA wurde eingeführt</a:t>
+            </a:r>
+          </a:p>
+          <a:p>
+            <a:r>
+              <a:rPr lang="de-AT" dirty="0"/>
+              <a:t>MS Access 2000: 2000, JET Engine Kompatibilität, </a:t>
+            </a:r>
+            <a:r>
+              <a:rPr lang="de-AT" dirty="0" err="1"/>
+              <a:t>One</a:t>
+            </a:r>
+            <a:r>
+              <a:rPr lang="de-AT" dirty="0"/>
+              <a:t>-Way-Konvertierung der Access Dateien die älter sind als die von Access 2000 nicht aber umgekehrt, erstmals möglich seine Resultate als HTML-Datei zu veröffentlichen, maximale Dateigröße 2GB statt 1GB</a:t>
+            </a:r>
           </a:p>
         </p:txBody>
       </p:sp>
@@ -6091,6 +6141,236 @@
     <p:extLst>
       <p:ext uri="{BB962C8B-B14F-4D97-AF65-F5344CB8AC3E}">
         <p14:creationId xmlns:p14="http://schemas.microsoft.com/office/powerpoint/2010/main" val="2850384955"/>
+      </p:ext>
+    </p:extLst>
+  </p:cSld>
+  <p:clrMapOvr>
+    <a:masterClrMapping/>
+  </p:clrMapOvr>
+</p:sld>
+</file>
+
+<file path=ppt/slides/slide4.xml><?xml version="1.0" encoding="utf-8"?>
+<p:sld xmlns:a="http://schemas.openxmlformats.org/drawingml/2006/main" xmlns:r="http://schemas.openxmlformats.org/officeDocument/2006/relationships" xmlns:p="http://schemas.openxmlformats.org/presentationml/2006/main">
+  <p:cSld>
+    <p:spTree>
+      <p:nvGrpSpPr>
+        <p:cNvPr id="1" name=""/>
+        <p:cNvGrpSpPr/>
+        <p:nvPr/>
+      </p:nvGrpSpPr>
+      <p:grpSpPr>
+        <a:xfrm>
+          <a:off x="0" y="0"/>
+          <a:ext cx="0" cy="0"/>
+          <a:chOff x="0" y="0"/>
+          <a:chExt cx="0" cy="0"/>
+        </a:xfrm>
+      </p:grpSpPr>
+      <p:sp>
+        <p:nvSpPr>
+          <p:cNvPr id="2" name="Titel 1">
+            <a:extLst>
+              <a:ext uri="{FF2B5EF4-FFF2-40B4-BE49-F238E27FC236}">
+                <a16:creationId xmlns:a16="http://schemas.microsoft.com/office/drawing/2014/main" id="{020B352C-C40F-4724-BC47-EDA5524FFB5B}"/>
+              </a:ext>
+            </a:extLst>
+          </p:cNvPr>
+          <p:cNvSpPr>
+            <a:spLocks noGrp="1"/>
+          </p:cNvSpPr>
+          <p:nvPr>
+            <p:ph type="title"/>
+          </p:nvPr>
+        </p:nvSpPr>
+        <p:spPr>
+          <a:xfrm>
+            <a:off x="677333" y="609600"/>
+            <a:ext cx="8835635" cy="1320800"/>
+          </a:xfrm>
+        </p:spPr>
+        <p:txBody>
+          <a:bodyPr/>
+          <a:lstStyle/>
+          <a:p>
+            <a:pPr algn="ctr"/>
+            <a:r>
+              <a:rPr lang="de-AT" dirty="0">
+                <a:solidFill>
+                  <a:srgbClr val="FF0000"/>
+                </a:solidFill>
+              </a:rPr>
+              <a:t>MS Access Versionen &amp; Änderungen/Erweiterungen – Teil 2</a:t>
+            </a:r>
+          </a:p>
+        </p:txBody>
+      </p:sp>
+      <p:sp>
+        <p:nvSpPr>
+          <p:cNvPr id="3" name="Inhaltsplatzhalter 2">
+            <a:extLst>
+              <a:ext uri="{FF2B5EF4-FFF2-40B4-BE49-F238E27FC236}">
+                <a16:creationId xmlns:a16="http://schemas.microsoft.com/office/drawing/2014/main" id="{1DEEBF87-69DA-4A8D-B1C3-E9AA466B2AC0}"/>
+              </a:ext>
+            </a:extLst>
+          </p:cNvPr>
+          <p:cNvSpPr>
+            <a:spLocks noGrp="1"/>
+          </p:cNvSpPr>
+          <p:nvPr>
+            <p:ph idx="1"/>
+          </p:nvPr>
+        </p:nvSpPr>
+        <p:spPr/>
+        <p:txBody>
+          <a:bodyPr/>
+          <a:lstStyle/>
+          <a:p>
+            <a:r>
+              <a:rPr lang="de-AT" dirty="0"/>
+              <a:t>MS Access 2007: neues Dateiformat mit neuen Datentypen, neues GUI die Benutzerfreundlichkeit gewährleistete, Verwendung von DAO jetzt möglich</a:t>
+            </a:r>
+          </a:p>
+          <a:p>
+            <a:r>
+              <a:rPr lang="de-AT" dirty="0"/>
+              <a:t>MS Access 2010: Integration von Microsoft SharePoint und Anpassungen dafür</a:t>
+            </a:r>
+          </a:p>
+          <a:p>
+            <a:r>
+              <a:rPr lang="de-AT" dirty="0"/>
+              <a:t>MS Access 2013: erstmalige Nutzung von SQL Datenbank Servern für Datenspeicherung, relationale Datenbanken mit referenzieller Integrität, Skalierbarkeit, Erweiterbarkeit und Performance eingeführt, </a:t>
+            </a:r>
+          </a:p>
+          <a:p>
+            <a:r>
+              <a:rPr lang="de-AT" dirty="0"/>
+              <a:t>MS Access 2016: Datentyp </a:t>
+            </a:r>
+            <a:r>
+              <a:rPr lang="de-AT" dirty="0" err="1"/>
+              <a:t>BigInt</a:t>
+            </a:r>
+            <a:r>
+              <a:rPr lang="de-AT" dirty="0"/>
+              <a:t>; Kompatibilität zu SQL steigern</a:t>
+            </a:r>
+          </a:p>
+        </p:txBody>
+      </p:sp>
+    </p:spTree>
+    <p:extLst>
+      <p:ext uri="{BB962C8B-B14F-4D97-AF65-F5344CB8AC3E}">
+        <p14:creationId xmlns:p14="http://schemas.microsoft.com/office/powerpoint/2010/main" val="3476446512"/>
+      </p:ext>
+    </p:extLst>
+  </p:cSld>
+  <p:clrMapOvr>
+    <a:masterClrMapping/>
+  </p:clrMapOvr>
+</p:sld>
+</file>
+
+<file path=ppt/slides/slide5.xml><?xml version="1.0" encoding="utf-8"?>
+<p:sld xmlns:a="http://schemas.openxmlformats.org/drawingml/2006/main" xmlns:r="http://schemas.openxmlformats.org/officeDocument/2006/relationships" xmlns:p="http://schemas.openxmlformats.org/presentationml/2006/main">
+  <p:cSld>
+    <p:spTree>
+      <p:nvGrpSpPr>
+        <p:cNvPr id="1" name=""/>
+        <p:cNvGrpSpPr/>
+        <p:nvPr/>
+      </p:nvGrpSpPr>
+      <p:grpSpPr>
+        <a:xfrm>
+          <a:off x="0" y="0"/>
+          <a:ext cx="0" cy="0"/>
+          <a:chOff x="0" y="0"/>
+          <a:chExt cx="0" cy="0"/>
+        </a:xfrm>
+      </p:grpSpPr>
+      <p:sp>
+        <p:nvSpPr>
+          <p:cNvPr id="2" name="Titel 1">
+            <a:extLst>
+              <a:ext uri="{FF2B5EF4-FFF2-40B4-BE49-F238E27FC236}">
+                <a16:creationId xmlns:a16="http://schemas.microsoft.com/office/drawing/2014/main" id="{46A7E3A6-0CA4-4CEE-986A-299EA1103408}"/>
+              </a:ext>
+            </a:extLst>
+          </p:cNvPr>
+          <p:cNvSpPr>
+            <a:spLocks noGrp="1"/>
+          </p:cNvSpPr>
+          <p:nvPr>
+            <p:ph type="title"/>
+          </p:nvPr>
+        </p:nvSpPr>
+        <p:spPr/>
+        <p:txBody>
+          <a:bodyPr/>
+          <a:lstStyle/>
+          <a:p>
+            <a:r>
+              <a:rPr lang="de-AT" dirty="0">
+                <a:solidFill>
+                  <a:srgbClr val="FF0000"/>
+                </a:solidFill>
+              </a:rPr>
+              <a:t>VBA</a:t>
+            </a:r>
+          </a:p>
+        </p:txBody>
+      </p:sp>
+      <p:sp>
+        <p:nvSpPr>
+          <p:cNvPr id="3" name="Inhaltsplatzhalter 2">
+            <a:extLst>
+              <a:ext uri="{FF2B5EF4-FFF2-40B4-BE49-F238E27FC236}">
+                <a16:creationId xmlns:a16="http://schemas.microsoft.com/office/drawing/2014/main" id="{F0F6ECA1-3257-4FFE-B22E-4E0E198DC47E}"/>
+              </a:ext>
+            </a:extLst>
+          </p:cNvPr>
+          <p:cNvSpPr>
+            <a:spLocks noGrp="1"/>
+          </p:cNvSpPr>
+          <p:nvPr>
+            <p:ph idx="1"/>
+          </p:nvPr>
+        </p:nvSpPr>
+        <p:spPr/>
+        <p:txBody>
+          <a:bodyPr/>
+          <a:lstStyle/>
+          <a:p>
+            <a:r>
+              <a:rPr lang="de-AT" dirty="0"/>
+              <a:t>Skriptsprache, Steuerung von Abläufen der MS-Office-Anwendungen</a:t>
+            </a:r>
+          </a:p>
+          <a:p>
+            <a:r>
+              <a:rPr lang="de-AT" dirty="0"/>
+              <a:t>Ähnlich der Syntax &amp; Funktionsweise von Visual Basics</a:t>
+            </a:r>
+          </a:p>
+          <a:p>
+            <a:r>
+              <a:rPr lang="de-AT" dirty="0"/>
+              <a:t>Rasch bei Überprüfung von Daten</a:t>
+            </a:r>
+          </a:p>
+          <a:p>
+            <a:r>
+              <a:rPr lang="de-AT" dirty="0"/>
+              <a:t>Langsam bei der Überprüfung von Daten im Größenfeld von 6k*6k Arrays</a:t>
+            </a:r>
+          </a:p>
+        </p:txBody>
+      </p:sp>
+    </p:spTree>
+    <p:extLst>
+      <p:ext uri="{BB962C8B-B14F-4D97-AF65-F5344CB8AC3E}">
+        <p14:creationId xmlns:p14="http://schemas.microsoft.com/office/powerpoint/2010/main" val="1162345800"/>
       </p:ext>
     </p:extLst>
   </p:cSld>

--- a/Microsoft Access.pptx
+++ b/Microsoft Access.pptx
@@ -10,6 +10,14 @@
     <p:sldId id="257" r:id="rId4"/>
     <p:sldId id="259" r:id="rId5"/>
     <p:sldId id="260" r:id="rId6"/>
+    <p:sldId id="261" r:id="rId7"/>
+    <p:sldId id="262" r:id="rId8"/>
+    <p:sldId id="263" r:id="rId9"/>
+    <p:sldId id="264" r:id="rId10"/>
+    <p:sldId id="265" r:id="rId11"/>
+    <p:sldId id="267" r:id="rId12"/>
+    <p:sldId id="268" r:id="rId13"/>
+    <p:sldId id="266" r:id="rId14"/>
   </p:sldIdLst>
   <p:sldSz cx="12192000" cy="6858000"/>
   <p:notesSz cx="6858000" cy="9144000"/>
@@ -700,7 +708,7 @@
           </a:lstStyle>
           <a:p>
             <a:r>
-              <a:rPr lang="de-DE"/>
+              <a:rPr lang="de-DE" dirty="0"/>
               <a:t>Mastertitelformat bearbeiten</a:t>
             </a:r>
             <a:endParaRPr lang="en-US" dirty="0"/>
@@ -2881,13 +2889,17 @@
             <a:normAutofit/>
           </a:bodyPr>
           <a:lstStyle>
-            <a:lvl1pPr>
-              <a:defRPr sz="3600"/>
+            <a:lvl1pPr algn="ctr">
+              <a:defRPr sz="3600">
+                <a:solidFill>
+                  <a:srgbClr val="FF0000"/>
+                </a:solidFill>
+              </a:defRPr>
             </a:lvl1pPr>
           </a:lstStyle>
           <a:p>
             <a:r>
-              <a:rPr lang="de-DE"/>
+              <a:rPr lang="de-DE" dirty="0"/>
               <a:t>Mastertitelformat bearbeiten</a:t>
             </a:r>
             <a:endParaRPr lang="en-US" dirty="0"/>
@@ -5193,7 +5205,7 @@
           <a:lstStyle/>
           <a:p>
             <a:r>
-              <a:rPr lang="de-DE"/>
+              <a:rPr lang="de-DE" dirty="0"/>
               <a:t>Mastertitelformat bearbeiten</a:t>
             </a:r>
             <a:endParaRPr lang="en-US" dirty="0"/>
@@ -5407,14 +5419,14 @@
   </p:sldLayoutIdLst>
   <p:txStyles>
     <p:titleStyle>
-      <a:lvl1pPr algn="l" defTabSz="457200" rtl="0" eaLnBrk="1" latinLnBrk="0" hangingPunct="1">
+      <a:lvl1pPr algn="ctr" defTabSz="457200" rtl="0" eaLnBrk="1" latinLnBrk="0" hangingPunct="1">
         <a:spcBef>
           <a:spcPct val="0"/>
         </a:spcBef>
         <a:buNone/>
         <a:defRPr sz="3600" kern="1200">
           <a:solidFill>
-            <a:schemeClr val="accent1"/>
+            <a:srgbClr val="FF0000"/>
           </a:solidFill>
           <a:latin typeface="+mj-lt"/>
           <a:ea typeface="+mj-ea"/>
@@ -5902,6 +5914,418 @@
 </p:sld>
 </file>
 
+<file path=ppt/slides/slide10.xml><?xml version="1.0" encoding="utf-8"?>
+<p:sld xmlns:a="http://schemas.openxmlformats.org/drawingml/2006/main" xmlns:r="http://schemas.openxmlformats.org/officeDocument/2006/relationships" xmlns:p="http://schemas.openxmlformats.org/presentationml/2006/main">
+  <p:cSld>
+    <p:spTree>
+      <p:nvGrpSpPr>
+        <p:cNvPr id="1" name=""/>
+        <p:cNvGrpSpPr/>
+        <p:nvPr/>
+      </p:nvGrpSpPr>
+      <p:grpSpPr>
+        <a:xfrm>
+          <a:off x="0" y="0"/>
+          <a:ext cx="0" cy="0"/>
+          <a:chOff x="0" y="0"/>
+          <a:chExt cx="0" cy="0"/>
+        </a:xfrm>
+      </p:grpSpPr>
+      <p:sp>
+        <p:nvSpPr>
+          <p:cNvPr id="2" name="Titel 1">
+            <a:extLst>
+              <a:ext uri="{FF2B5EF4-FFF2-40B4-BE49-F238E27FC236}">
+                <a16:creationId xmlns:a16="http://schemas.microsoft.com/office/drawing/2014/main" id="{A7B717BB-DF7B-45FF-A2B2-9DAF48CB01E3}"/>
+              </a:ext>
+            </a:extLst>
+          </p:cNvPr>
+          <p:cNvSpPr>
+            <a:spLocks noGrp="1"/>
+          </p:cNvSpPr>
+          <p:nvPr>
+            <p:ph type="title"/>
+          </p:nvPr>
+        </p:nvSpPr>
+        <p:spPr/>
+        <p:txBody>
+          <a:bodyPr/>
+          <a:lstStyle/>
+          <a:p>
+            <a:r>
+              <a:rPr lang="de-AT" dirty="0"/>
+              <a:t>Benutzer</a:t>
+            </a:r>
+          </a:p>
+        </p:txBody>
+      </p:sp>
+      <p:sp>
+        <p:nvSpPr>
+          <p:cNvPr id="3" name="Inhaltsplatzhalter 2">
+            <a:extLst>
+              <a:ext uri="{FF2B5EF4-FFF2-40B4-BE49-F238E27FC236}">
+                <a16:creationId xmlns:a16="http://schemas.microsoft.com/office/drawing/2014/main" id="{070B8966-1DCE-4BE5-A4B6-9183CECCE737}"/>
+              </a:ext>
+            </a:extLst>
+          </p:cNvPr>
+          <p:cNvSpPr>
+            <a:spLocks noGrp="1"/>
+          </p:cNvSpPr>
+          <p:nvPr>
+            <p:ph idx="1"/>
+          </p:nvPr>
+        </p:nvSpPr>
+        <p:spPr/>
+        <p:txBody>
+          <a:bodyPr/>
+          <a:lstStyle/>
+          <a:p>
+            <a:r>
+              <a:rPr lang="de-AT" dirty="0"/>
+              <a:t>Welche Art von Benutzer verwenden MS Access</a:t>
+            </a:r>
+          </a:p>
+          <a:p>
+            <a:pPr lvl="1"/>
+            <a:r>
+              <a:rPr lang="de-AT" dirty="0"/>
+              <a:t>Business Leute</a:t>
+            </a:r>
+          </a:p>
+          <a:p>
+            <a:pPr lvl="1"/>
+            <a:r>
+              <a:rPr lang="de-AT" dirty="0"/>
+              <a:t>Standardbenutzer </a:t>
+            </a:r>
+          </a:p>
+          <a:p>
+            <a:pPr lvl="1"/>
+            <a:r>
+              <a:rPr lang="de-AT" dirty="0"/>
+              <a:t>Kleinunternehmen</a:t>
+            </a:r>
+          </a:p>
+          <a:p>
+            <a:pPr lvl="1"/>
+            <a:r>
+              <a:rPr lang="de-AT" dirty="0"/>
+              <a:t>Großkonzerne</a:t>
+            </a:r>
+          </a:p>
+          <a:p>
+            <a:pPr lvl="1"/>
+            <a:r>
+              <a:rPr lang="de-AT" dirty="0"/>
+              <a:t>Leute die schnelle und Kostengünstige Datenbanken brauchen. </a:t>
+            </a:r>
+          </a:p>
+        </p:txBody>
+      </p:sp>
+    </p:spTree>
+    <p:extLst>
+      <p:ext uri="{BB962C8B-B14F-4D97-AF65-F5344CB8AC3E}">
+        <p14:creationId xmlns:p14="http://schemas.microsoft.com/office/powerpoint/2010/main" val="787650789"/>
+      </p:ext>
+    </p:extLst>
+  </p:cSld>
+  <p:clrMapOvr>
+    <a:masterClrMapping/>
+  </p:clrMapOvr>
+</p:sld>
+</file>
+
+<file path=ppt/slides/slide11.xml><?xml version="1.0" encoding="utf-8"?>
+<p:sld xmlns:a="http://schemas.openxmlformats.org/drawingml/2006/main" xmlns:r="http://schemas.openxmlformats.org/officeDocument/2006/relationships" xmlns:p="http://schemas.openxmlformats.org/presentationml/2006/main">
+  <p:cSld>
+    <p:spTree>
+      <p:nvGrpSpPr>
+        <p:cNvPr id="1" name=""/>
+        <p:cNvGrpSpPr/>
+        <p:nvPr/>
+      </p:nvGrpSpPr>
+      <p:grpSpPr>
+        <a:xfrm>
+          <a:off x="0" y="0"/>
+          <a:ext cx="0" cy="0"/>
+          <a:chOff x="0" y="0"/>
+          <a:chExt cx="0" cy="0"/>
+        </a:xfrm>
+      </p:grpSpPr>
+      <p:sp>
+        <p:nvSpPr>
+          <p:cNvPr id="2" name="Titel 1">
+            <a:extLst>
+              <a:ext uri="{FF2B5EF4-FFF2-40B4-BE49-F238E27FC236}">
+                <a16:creationId xmlns:a16="http://schemas.microsoft.com/office/drawing/2014/main" id="{8000F79C-DAE4-4635-8BFD-60AEC76D8C13}"/>
+              </a:ext>
+            </a:extLst>
+          </p:cNvPr>
+          <p:cNvSpPr>
+            <a:spLocks noGrp="1"/>
+          </p:cNvSpPr>
+          <p:nvPr>
+            <p:ph type="title"/>
+          </p:nvPr>
+        </p:nvSpPr>
+        <p:spPr/>
+        <p:txBody>
+          <a:bodyPr/>
+          <a:lstStyle/>
+          <a:p>
+            <a:r>
+              <a:rPr lang="de-AT" dirty="0"/>
+              <a:t>Vorteile</a:t>
+            </a:r>
+          </a:p>
+        </p:txBody>
+      </p:sp>
+      <p:sp>
+        <p:nvSpPr>
+          <p:cNvPr id="3" name="Inhaltsplatzhalter 2">
+            <a:extLst>
+              <a:ext uri="{FF2B5EF4-FFF2-40B4-BE49-F238E27FC236}">
+                <a16:creationId xmlns:a16="http://schemas.microsoft.com/office/drawing/2014/main" id="{3A9C27D9-4346-47BC-A7D9-6DD8304B2D4B}"/>
+              </a:ext>
+            </a:extLst>
+          </p:cNvPr>
+          <p:cNvSpPr>
+            <a:spLocks noGrp="1"/>
+          </p:cNvSpPr>
+          <p:nvPr>
+            <p:ph idx="1"/>
+          </p:nvPr>
+        </p:nvSpPr>
+        <p:spPr/>
+        <p:txBody>
+          <a:bodyPr/>
+          <a:lstStyle/>
+          <a:p>
+            <a:r>
+              <a:rPr lang="de-AT" dirty="0"/>
+              <a:t>Inhalte der DBS auch offline aufrufbar</a:t>
+            </a:r>
+          </a:p>
+          <a:p>
+            <a:r>
+              <a:rPr lang="de-AT" dirty="0"/>
+              <a:t>Schnelle präzise Verarbeitung und Filterung von Daten mit Programminternen Funktionen</a:t>
+            </a:r>
+          </a:p>
+          <a:p>
+            <a:r>
+              <a:rPr lang="de-AT" dirty="0"/>
+              <a:t>Leicht den Umgang mit MS Access zu erlernen</a:t>
+            </a:r>
+          </a:p>
+          <a:p>
+            <a:r>
+              <a:rPr lang="de-AT" dirty="0"/>
+              <a:t>Große Möglichkeit um Informationen darzustellen</a:t>
+            </a:r>
+          </a:p>
+          <a:p>
+            <a:r>
+              <a:rPr lang="de-AT" dirty="0"/>
+              <a:t>Schnittstellen mit anderen MS Office sind gegeben</a:t>
+            </a:r>
+          </a:p>
+          <a:p>
+            <a:r>
+              <a:rPr lang="de-AT" dirty="0"/>
+              <a:t>Normalisierung von Daten ist durch integrierte Funktionen gegeben.</a:t>
+            </a:r>
+          </a:p>
+        </p:txBody>
+      </p:sp>
+    </p:spTree>
+    <p:extLst>
+      <p:ext uri="{BB962C8B-B14F-4D97-AF65-F5344CB8AC3E}">
+        <p14:creationId xmlns:p14="http://schemas.microsoft.com/office/powerpoint/2010/main" val="1073112942"/>
+      </p:ext>
+    </p:extLst>
+  </p:cSld>
+  <p:clrMapOvr>
+    <a:masterClrMapping/>
+  </p:clrMapOvr>
+</p:sld>
+</file>
+
+<file path=ppt/slides/slide12.xml><?xml version="1.0" encoding="utf-8"?>
+<p:sld xmlns:a="http://schemas.openxmlformats.org/drawingml/2006/main" xmlns:r="http://schemas.openxmlformats.org/officeDocument/2006/relationships" xmlns:p="http://schemas.openxmlformats.org/presentationml/2006/main">
+  <p:cSld>
+    <p:spTree>
+      <p:nvGrpSpPr>
+        <p:cNvPr id="1" name=""/>
+        <p:cNvGrpSpPr/>
+        <p:nvPr/>
+      </p:nvGrpSpPr>
+      <p:grpSpPr>
+        <a:xfrm>
+          <a:off x="0" y="0"/>
+          <a:ext cx="0" cy="0"/>
+          <a:chOff x="0" y="0"/>
+          <a:chExt cx="0" cy="0"/>
+        </a:xfrm>
+      </p:grpSpPr>
+      <p:sp>
+        <p:nvSpPr>
+          <p:cNvPr id="2" name="Titel 1">
+            <a:extLst>
+              <a:ext uri="{FF2B5EF4-FFF2-40B4-BE49-F238E27FC236}">
+                <a16:creationId xmlns:a16="http://schemas.microsoft.com/office/drawing/2014/main" id="{3A631009-79A8-429C-9F2A-FDB06B1E5585}"/>
+              </a:ext>
+            </a:extLst>
+          </p:cNvPr>
+          <p:cNvSpPr>
+            <a:spLocks noGrp="1"/>
+          </p:cNvSpPr>
+          <p:nvPr>
+            <p:ph type="title"/>
+          </p:nvPr>
+        </p:nvSpPr>
+        <p:spPr/>
+        <p:txBody>
+          <a:bodyPr/>
+          <a:lstStyle/>
+          <a:p>
+            <a:r>
+              <a:rPr lang="de-AT" dirty="0"/>
+              <a:t>Nachteile</a:t>
+            </a:r>
+          </a:p>
+        </p:txBody>
+      </p:sp>
+      <p:sp>
+        <p:nvSpPr>
+          <p:cNvPr id="3" name="Inhaltsplatzhalter 2">
+            <a:extLst>
+              <a:ext uri="{FF2B5EF4-FFF2-40B4-BE49-F238E27FC236}">
+                <a16:creationId xmlns:a16="http://schemas.microsoft.com/office/drawing/2014/main" id="{32E7BC8F-C162-4290-A34C-08B0C64B1BC9}"/>
+              </a:ext>
+            </a:extLst>
+          </p:cNvPr>
+          <p:cNvSpPr>
+            <a:spLocks noGrp="1"/>
+          </p:cNvSpPr>
+          <p:nvPr>
+            <p:ph idx="1"/>
+          </p:nvPr>
+        </p:nvSpPr>
+        <p:spPr/>
+        <p:txBody>
+          <a:bodyPr/>
+          <a:lstStyle/>
+          <a:p>
+            <a:r>
+              <a:rPr lang="de-AT" dirty="0"/>
+              <a:t>Erwerb einer MS Access Lizenz um es benutzen zu können</a:t>
+            </a:r>
+          </a:p>
+          <a:p>
+            <a:r>
+              <a:rPr lang="de-AT" dirty="0"/>
+              <a:t>Kosten: ~135€</a:t>
+            </a:r>
+          </a:p>
+          <a:p>
+            <a:r>
+              <a:rPr lang="de-AT" dirty="0"/>
+              <a:t>Verarbeitung von mehreren tausend Daten in VBA ist langsam und kann sehr lange dauern.</a:t>
+            </a:r>
+          </a:p>
+          <a:p>
+            <a:r>
+              <a:rPr lang="de-AT" dirty="0"/>
+              <a:t>Die Größe einer .</a:t>
+            </a:r>
+            <a:r>
+              <a:rPr lang="de-AT" dirty="0" err="1"/>
+              <a:t>accdb</a:t>
+            </a:r>
+            <a:r>
+              <a:rPr lang="de-AT" dirty="0"/>
+              <a:t>-Datei kann schnell sehr groß werden im Vergleich zu anderen</a:t>
+            </a:r>
+          </a:p>
+        </p:txBody>
+      </p:sp>
+    </p:spTree>
+    <p:extLst>
+      <p:ext uri="{BB962C8B-B14F-4D97-AF65-F5344CB8AC3E}">
+        <p14:creationId xmlns:p14="http://schemas.microsoft.com/office/powerpoint/2010/main" val="3078208176"/>
+      </p:ext>
+    </p:extLst>
+  </p:cSld>
+  <p:clrMapOvr>
+    <a:masterClrMapping/>
+  </p:clrMapOvr>
+</p:sld>
+</file>
+
+<file path=ppt/slides/slide13.xml><?xml version="1.0" encoding="utf-8"?>
+<p:sld xmlns:a="http://schemas.openxmlformats.org/drawingml/2006/main" xmlns:r="http://schemas.openxmlformats.org/officeDocument/2006/relationships" xmlns:p="http://schemas.openxmlformats.org/presentationml/2006/main">
+  <p:cSld>
+    <p:spTree>
+      <p:nvGrpSpPr>
+        <p:cNvPr id="1" name=""/>
+        <p:cNvGrpSpPr/>
+        <p:nvPr/>
+      </p:nvGrpSpPr>
+      <p:grpSpPr>
+        <a:xfrm>
+          <a:off x="0" y="0"/>
+          <a:ext cx="0" cy="0"/>
+          <a:chOff x="0" y="0"/>
+          <a:chExt cx="0" cy="0"/>
+        </a:xfrm>
+      </p:grpSpPr>
+      <p:sp>
+        <p:nvSpPr>
+          <p:cNvPr id="2" name="Titel 1">
+            <a:extLst>
+              <a:ext uri="{FF2B5EF4-FFF2-40B4-BE49-F238E27FC236}">
+                <a16:creationId xmlns:a16="http://schemas.microsoft.com/office/drawing/2014/main" id="{B893A79D-0CF4-464E-9C71-63A9A180C5AF}"/>
+              </a:ext>
+            </a:extLst>
+          </p:cNvPr>
+          <p:cNvSpPr>
+            <a:spLocks noGrp="1"/>
+          </p:cNvSpPr>
+          <p:nvPr>
+            <p:ph type="title"/>
+          </p:nvPr>
+        </p:nvSpPr>
+        <p:spPr>
+          <a:xfrm>
+            <a:off x="1094429" y="657726"/>
+            <a:ext cx="8596668" cy="1320800"/>
+          </a:xfrm>
+        </p:spPr>
+        <p:txBody>
+          <a:bodyPr/>
+          <a:lstStyle/>
+          <a:p>
+            <a:r>
+              <a:rPr lang="de-AT" dirty="0"/>
+              <a:t>Vielen Dank für eure Aufmerksamkeit</a:t>
+            </a:r>
+          </a:p>
+        </p:txBody>
+      </p:sp>
+    </p:spTree>
+    <p:extLst>
+      <p:ext uri="{BB962C8B-B14F-4D97-AF65-F5344CB8AC3E}">
+        <p14:creationId xmlns:p14="http://schemas.microsoft.com/office/powerpoint/2010/main" val="2220167262"/>
+      </p:ext>
+    </p:extLst>
+  </p:cSld>
+  <p:clrMapOvr>
+    <a:masterClrMapping/>
+  </p:clrMapOvr>
+</p:sld>
+</file>
+
 <file path=ppt/slides/slide2.xml><?xml version="1.0" encoding="utf-8"?>
 <p:sld xmlns:a="http://schemas.openxmlformats.org/drawingml/2006/main" xmlns:r="http://schemas.openxmlformats.org/officeDocument/2006/relationships" xmlns:p="http://schemas.openxmlformats.org/presentationml/2006/main">
   <p:cSld>
@@ -5998,7 +6422,7 @@
           <a:p>
             <a:r>
               <a:rPr lang="de-AT" dirty="0"/>
-              <a:t>Gute Performance durch SQL</a:t>
+              <a:t>Gute Performance durch SQL Server</a:t>
             </a:r>
           </a:p>
           <a:p>
@@ -6310,6 +6734,7 @@
           <a:bodyPr/>
           <a:lstStyle/>
           <a:p>
+            <a:pPr algn="ctr"/>
             <a:r>
               <a:rPr lang="de-AT" dirty="0">
                 <a:solidFill>
@@ -6362,8 +6787,22 @@
           <a:p>
             <a:r>
               <a:rPr lang="de-AT" dirty="0"/>
-              <a:t>Langsam bei der Überprüfung von Daten im Größenfeld von 6k*6k Arrays</a:t>
-            </a:r>
+              <a:t>Langsam bei der Überprüfung von Daten im Größenfeld von </a:t>
+            </a:r>
+            <a:r>
+              <a:rPr lang="de-AT" dirty="0" err="1"/>
+              <a:t>z.b.</a:t>
+            </a:r>
+            <a:r>
+              <a:rPr lang="de-AT" dirty="0"/>
+              <a:t>: 6k*6k Arrays</a:t>
+            </a:r>
+          </a:p>
+          <a:p>
+            <a:endParaRPr lang="de-AT" dirty="0"/>
+          </a:p>
+          <a:p>
+            <a:endParaRPr lang="de-AT" dirty="0"/>
           </a:p>
         </p:txBody>
       </p:sp>
@@ -6371,6 +6810,561 @@
     <p:extLst>
       <p:ext uri="{BB962C8B-B14F-4D97-AF65-F5344CB8AC3E}">
         <p14:creationId xmlns:p14="http://schemas.microsoft.com/office/powerpoint/2010/main" val="1162345800"/>
+      </p:ext>
+    </p:extLst>
+  </p:cSld>
+  <p:clrMapOvr>
+    <a:masterClrMapping/>
+  </p:clrMapOvr>
+</p:sld>
+</file>
+
+<file path=ppt/slides/slide6.xml><?xml version="1.0" encoding="utf-8"?>
+<p:sld xmlns:a="http://schemas.openxmlformats.org/drawingml/2006/main" xmlns:r="http://schemas.openxmlformats.org/officeDocument/2006/relationships" xmlns:p="http://schemas.openxmlformats.org/presentationml/2006/main">
+  <p:cSld>
+    <p:spTree>
+      <p:nvGrpSpPr>
+        <p:cNvPr id="1" name=""/>
+        <p:cNvGrpSpPr/>
+        <p:nvPr/>
+      </p:nvGrpSpPr>
+      <p:grpSpPr>
+        <a:xfrm>
+          <a:off x="0" y="0"/>
+          <a:ext cx="0" cy="0"/>
+          <a:chOff x="0" y="0"/>
+          <a:chExt cx="0" cy="0"/>
+        </a:xfrm>
+      </p:grpSpPr>
+      <p:sp>
+        <p:nvSpPr>
+          <p:cNvPr id="2" name="Titel 1">
+            <a:extLst>
+              <a:ext uri="{FF2B5EF4-FFF2-40B4-BE49-F238E27FC236}">
+                <a16:creationId xmlns:a16="http://schemas.microsoft.com/office/drawing/2014/main" id="{24C4F243-C7F8-4556-921C-CBB4377C7EEF}"/>
+              </a:ext>
+            </a:extLst>
+          </p:cNvPr>
+          <p:cNvSpPr>
+            <a:spLocks noGrp="1"/>
+          </p:cNvSpPr>
+          <p:nvPr>
+            <p:ph type="title"/>
+          </p:nvPr>
+        </p:nvSpPr>
+        <p:spPr/>
+        <p:txBody>
+          <a:bodyPr/>
+          <a:lstStyle/>
+          <a:p>
+            <a:pPr algn="ctr"/>
+            <a:r>
+              <a:rPr lang="de-AT" dirty="0">
+                <a:solidFill>
+                  <a:srgbClr val="FF0000"/>
+                </a:solidFill>
+              </a:rPr>
+              <a:t>Drei Ebenen Architektur	</a:t>
+            </a:r>
+          </a:p>
+        </p:txBody>
+      </p:sp>
+      <p:sp>
+        <p:nvSpPr>
+          <p:cNvPr id="3" name="Inhaltsplatzhalter 2">
+            <a:extLst>
+              <a:ext uri="{FF2B5EF4-FFF2-40B4-BE49-F238E27FC236}">
+                <a16:creationId xmlns:a16="http://schemas.microsoft.com/office/drawing/2014/main" id="{85D71A58-CC18-4706-ADD4-21D055178C88}"/>
+              </a:ext>
+            </a:extLst>
+          </p:cNvPr>
+          <p:cNvSpPr>
+            <a:spLocks noGrp="1"/>
+          </p:cNvSpPr>
+          <p:nvPr>
+            <p:ph idx="1"/>
+          </p:nvPr>
+        </p:nvSpPr>
+        <p:spPr/>
+        <p:txBody>
+          <a:bodyPr/>
+          <a:lstStyle/>
+          <a:p>
+            <a:r>
+              <a:rPr lang="de-AT" dirty="0"/>
+              <a:t>1. Ebene: Externe Ebene</a:t>
+            </a:r>
+          </a:p>
+          <a:p>
+            <a:pPr lvl="1"/>
+            <a:r>
+              <a:rPr lang="de-AT" dirty="0"/>
+              <a:t>Enthält spezielle Views auf die Daten der Datenbank</a:t>
+            </a:r>
+          </a:p>
+          <a:p>
+            <a:r>
+              <a:rPr lang="de-AT" dirty="0"/>
+              <a:t>2.Ebene : Konzeptionelle Ebene</a:t>
+            </a:r>
+          </a:p>
+          <a:p>
+            <a:pPr lvl="1"/>
+            <a:r>
+              <a:rPr lang="de-AT" dirty="0"/>
+              <a:t>Unabhängig entwickelte Datenmodell wird in eines mit relationaler Datenbankstruktur überführt und implementiert</a:t>
+            </a:r>
+          </a:p>
+          <a:p>
+            <a:r>
+              <a:rPr lang="de-AT" dirty="0"/>
+              <a:t>3.Ebene: Interne Ebene</a:t>
+            </a:r>
+          </a:p>
+          <a:p>
+            <a:pPr lvl="1"/>
+            <a:r>
+              <a:rPr lang="de-AT" dirty="0"/>
+              <a:t>Erledigt die Aufgaben des Datenbankverwaltungssystems. </a:t>
+            </a:r>
+          </a:p>
+        </p:txBody>
+      </p:sp>
+    </p:spTree>
+    <p:extLst>
+      <p:ext uri="{BB962C8B-B14F-4D97-AF65-F5344CB8AC3E}">
+        <p14:creationId xmlns:p14="http://schemas.microsoft.com/office/powerpoint/2010/main" val="2154634445"/>
+      </p:ext>
+    </p:extLst>
+  </p:cSld>
+  <p:clrMapOvr>
+    <a:masterClrMapping/>
+  </p:clrMapOvr>
+</p:sld>
+</file>
+
+<file path=ppt/slides/slide7.xml><?xml version="1.0" encoding="utf-8"?>
+<p:sld xmlns:a="http://schemas.openxmlformats.org/drawingml/2006/main" xmlns:r="http://schemas.openxmlformats.org/officeDocument/2006/relationships" xmlns:p="http://schemas.openxmlformats.org/presentationml/2006/main">
+  <p:cSld>
+    <p:spTree>
+      <p:nvGrpSpPr>
+        <p:cNvPr id="1" name=""/>
+        <p:cNvGrpSpPr/>
+        <p:nvPr/>
+      </p:nvGrpSpPr>
+      <p:grpSpPr>
+        <a:xfrm>
+          <a:off x="0" y="0"/>
+          <a:ext cx="0" cy="0"/>
+          <a:chOff x="0" y="0"/>
+          <a:chExt cx="0" cy="0"/>
+        </a:xfrm>
+      </p:grpSpPr>
+      <p:sp>
+        <p:nvSpPr>
+          <p:cNvPr id="2" name="Titel 1">
+            <a:extLst>
+              <a:ext uri="{FF2B5EF4-FFF2-40B4-BE49-F238E27FC236}">
+                <a16:creationId xmlns:a16="http://schemas.microsoft.com/office/drawing/2014/main" id="{2C1B8358-9F95-476B-9D17-6A4A5FA04F9A}"/>
+              </a:ext>
+            </a:extLst>
+          </p:cNvPr>
+          <p:cNvSpPr>
+            <a:spLocks noGrp="1"/>
+          </p:cNvSpPr>
+          <p:nvPr>
+            <p:ph type="title"/>
+          </p:nvPr>
+        </p:nvSpPr>
+        <p:spPr/>
+        <p:txBody>
+          <a:bodyPr/>
+          <a:lstStyle/>
+          <a:p>
+            <a:r>
+              <a:rPr lang="de-AT" dirty="0"/>
+              <a:t>SQL in MS Access</a:t>
+            </a:r>
+          </a:p>
+        </p:txBody>
+      </p:sp>
+      <p:sp>
+        <p:nvSpPr>
+          <p:cNvPr id="3" name="Inhaltsplatzhalter 2">
+            <a:extLst>
+              <a:ext uri="{FF2B5EF4-FFF2-40B4-BE49-F238E27FC236}">
+                <a16:creationId xmlns:a16="http://schemas.microsoft.com/office/drawing/2014/main" id="{F920BEBC-4D72-402C-9728-5E2B6BBAA7C0}"/>
+              </a:ext>
+            </a:extLst>
+          </p:cNvPr>
+          <p:cNvSpPr>
+            <a:spLocks noGrp="1"/>
+          </p:cNvSpPr>
+          <p:nvPr>
+            <p:ph idx="1"/>
+          </p:nvPr>
+        </p:nvSpPr>
+        <p:spPr/>
+        <p:txBody>
+          <a:bodyPr/>
+          <a:lstStyle/>
+          <a:p>
+            <a:r>
+              <a:rPr lang="de-AT" dirty="0"/>
+              <a:t>Wo verbirgt sich SQL?</a:t>
+            </a:r>
+          </a:p>
+          <a:p>
+            <a:pPr lvl="1"/>
+            <a:r>
+              <a:rPr lang="de-AT" dirty="0"/>
+              <a:t>SQL wird immer dann benötigt wenn eine Abfrage, ein Bericht oder ein Formular erstellt wird</a:t>
+            </a:r>
+          </a:p>
+          <a:p>
+            <a:pPr lvl="1"/>
+            <a:r>
+              <a:rPr lang="de-AT" dirty="0"/>
+              <a:t>Die Daten werden in SQL Datenbank Servern gespeichert</a:t>
+            </a:r>
+          </a:p>
+          <a:p>
+            <a:r>
+              <a:rPr lang="de-AT" dirty="0"/>
+              <a:t>Warum SQL?</a:t>
+            </a:r>
+          </a:p>
+          <a:p>
+            <a:pPr lvl="1"/>
+            <a:r>
+              <a:rPr lang="de-AT" dirty="0"/>
+              <a:t>SQL ist sehr gut erweiterbar mit steigender Größe</a:t>
+            </a:r>
+          </a:p>
+          <a:p>
+            <a:pPr lvl="1"/>
+            <a:r>
+              <a:rPr lang="de-AT" dirty="0"/>
+              <a:t>Es verhindert redundante Informationen</a:t>
+            </a:r>
+          </a:p>
+          <a:p>
+            <a:pPr lvl="1"/>
+            <a:r>
+              <a:rPr lang="de-AT" dirty="0"/>
+              <a:t>SQL liefert auch eine sehr gute Leistung bei Suchen und ausgeben von Daten in Datenbanken</a:t>
+            </a:r>
+          </a:p>
+        </p:txBody>
+      </p:sp>
+    </p:spTree>
+    <p:extLst>
+      <p:ext uri="{BB962C8B-B14F-4D97-AF65-F5344CB8AC3E}">
+        <p14:creationId xmlns:p14="http://schemas.microsoft.com/office/powerpoint/2010/main" val="3831470467"/>
+      </p:ext>
+    </p:extLst>
+  </p:cSld>
+  <p:clrMapOvr>
+    <a:masterClrMapping/>
+  </p:clrMapOvr>
+</p:sld>
+</file>
+
+<file path=ppt/slides/slide8.xml><?xml version="1.0" encoding="utf-8"?>
+<p:sld xmlns:a="http://schemas.openxmlformats.org/drawingml/2006/main" xmlns:r="http://schemas.openxmlformats.org/officeDocument/2006/relationships" xmlns:p="http://schemas.openxmlformats.org/presentationml/2006/main">
+  <p:cSld>
+    <p:spTree>
+      <p:nvGrpSpPr>
+        <p:cNvPr id="1" name=""/>
+        <p:cNvGrpSpPr/>
+        <p:nvPr/>
+      </p:nvGrpSpPr>
+      <p:grpSpPr>
+        <a:xfrm>
+          <a:off x="0" y="0"/>
+          <a:ext cx="0" cy="0"/>
+          <a:chOff x="0" y="0"/>
+          <a:chExt cx="0" cy="0"/>
+        </a:xfrm>
+      </p:grpSpPr>
+      <p:sp>
+        <p:nvSpPr>
+          <p:cNvPr id="2" name="Titel 1">
+            <a:extLst>
+              <a:ext uri="{FF2B5EF4-FFF2-40B4-BE49-F238E27FC236}">
+                <a16:creationId xmlns:a16="http://schemas.microsoft.com/office/drawing/2014/main" id="{BE7DC15A-2B83-4ADB-B14C-F53C546216CD}"/>
+              </a:ext>
+            </a:extLst>
+          </p:cNvPr>
+          <p:cNvSpPr>
+            <a:spLocks noGrp="1"/>
+          </p:cNvSpPr>
+          <p:nvPr>
+            <p:ph type="title"/>
+          </p:nvPr>
+        </p:nvSpPr>
+        <p:spPr/>
+        <p:txBody>
+          <a:bodyPr/>
+          <a:lstStyle/>
+          <a:p>
+            <a:r>
+              <a:rPr lang="de-AT" dirty="0"/>
+              <a:t>SQL-</a:t>
+            </a:r>
+            <a:r>
+              <a:rPr lang="de-AT" dirty="0" err="1"/>
+              <a:t>Querys</a:t>
+            </a:r>
+            <a:r>
+              <a:rPr lang="de-AT" dirty="0"/>
+              <a:t> in MS Access</a:t>
+            </a:r>
+          </a:p>
+        </p:txBody>
+      </p:sp>
+      <p:sp>
+        <p:nvSpPr>
+          <p:cNvPr id="3" name="Inhaltsplatzhalter 2">
+            <a:extLst>
+              <a:ext uri="{FF2B5EF4-FFF2-40B4-BE49-F238E27FC236}">
+                <a16:creationId xmlns:a16="http://schemas.microsoft.com/office/drawing/2014/main" id="{DBFA0632-101A-41AD-9D48-C2DE94BAE40E}"/>
+              </a:ext>
+            </a:extLst>
+          </p:cNvPr>
+          <p:cNvSpPr>
+            <a:spLocks noGrp="1"/>
+          </p:cNvSpPr>
+          <p:nvPr>
+            <p:ph idx="1"/>
+          </p:nvPr>
+        </p:nvSpPr>
+        <p:spPr/>
+        <p:txBody>
+          <a:bodyPr/>
+          <a:lstStyle/>
+          <a:p>
+            <a:r>
+              <a:rPr lang="de-AT" dirty="0"/>
+              <a:t>Arten:</a:t>
+            </a:r>
+          </a:p>
+          <a:p>
+            <a:pPr lvl="1"/>
+            <a:r>
+              <a:rPr lang="de-AT" dirty="0"/>
+              <a:t>Delete-Query</a:t>
+            </a:r>
+          </a:p>
+          <a:p>
+            <a:pPr lvl="2"/>
+            <a:r>
+              <a:rPr lang="de-AT" dirty="0"/>
+              <a:t>Löscht Daten mit gewissen Voraussetzungen</a:t>
+            </a:r>
+          </a:p>
+          <a:p>
+            <a:pPr lvl="1"/>
+            <a:r>
+              <a:rPr lang="de-AT" dirty="0"/>
+              <a:t>Update-Query</a:t>
+            </a:r>
+          </a:p>
+          <a:p>
+            <a:pPr lvl="2"/>
+            <a:r>
+              <a:rPr lang="de-AT" dirty="0"/>
+              <a:t>Ändert Informationen an gewissen Stellen</a:t>
+            </a:r>
+          </a:p>
+          <a:p>
+            <a:pPr lvl="1"/>
+            <a:r>
+              <a:rPr lang="de-AT" dirty="0" err="1"/>
+              <a:t>Append</a:t>
+            </a:r>
+            <a:r>
+              <a:rPr lang="de-AT" dirty="0"/>
+              <a:t>-Query</a:t>
+            </a:r>
+          </a:p>
+          <a:p>
+            <a:pPr lvl="2"/>
+            <a:r>
+              <a:rPr lang="de-AT" dirty="0"/>
+              <a:t>Trägt vorhandene Daten in eine andere Tabelle ein</a:t>
+            </a:r>
+          </a:p>
+          <a:p>
+            <a:pPr lvl="1"/>
+            <a:r>
+              <a:rPr lang="de-AT" dirty="0" err="1"/>
+              <a:t>Make</a:t>
+            </a:r>
+            <a:r>
+              <a:rPr lang="de-AT" dirty="0"/>
+              <a:t>-Table-Query</a:t>
+            </a:r>
+          </a:p>
+          <a:p>
+            <a:pPr lvl="2"/>
+            <a:r>
+              <a:rPr lang="de-AT" dirty="0"/>
+              <a:t>Erstellt eine neue Tabelle, welche Daten aus einer oder mehreren Tabellen enthält</a:t>
+            </a:r>
+          </a:p>
+        </p:txBody>
+      </p:sp>
+    </p:spTree>
+    <p:extLst>
+      <p:ext uri="{BB962C8B-B14F-4D97-AF65-F5344CB8AC3E}">
+        <p14:creationId xmlns:p14="http://schemas.microsoft.com/office/powerpoint/2010/main" val="2143039409"/>
+      </p:ext>
+    </p:extLst>
+  </p:cSld>
+  <p:clrMapOvr>
+    <a:masterClrMapping/>
+  </p:clrMapOvr>
+</p:sld>
+</file>
+
+<file path=ppt/slides/slide9.xml><?xml version="1.0" encoding="utf-8"?>
+<p:sld xmlns:a="http://schemas.openxmlformats.org/drawingml/2006/main" xmlns:r="http://schemas.openxmlformats.org/officeDocument/2006/relationships" xmlns:p="http://schemas.openxmlformats.org/presentationml/2006/main">
+  <p:cSld>
+    <p:spTree>
+      <p:nvGrpSpPr>
+        <p:cNvPr id="1" name=""/>
+        <p:cNvGrpSpPr/>
+        <p:nvPr/>
+      </p:nvGrpSpPr>
+      <p:grpSpPr>
+        <a:xfrm>
+          <a:off x="0" y="0"/>
+          <a:ext cx="0" cy="0"/>
+          <a:chOff x="0" y="0"/>
+          <a:chExt cx="0" cy="0"/>
+        </a:xfrm>
+      </p:grpSpPr>
+      <p:sp>
+        <p:nvSpPr>
+          <p:cNvPr id="2" name="Titel 1">
+            <a:extLst>
+              <a:ext uri="{FF2B5EF4-FFF2-40B4-BE49-F238E27FC236}">
+                <a16:creationId xmlns:a16="http://schemas.microsoft.com/office/drawing/2014/main" id="{42449663-EDA0-49C9-A154-F02540B4BAA4}"/>
+              </a:ext>
+            </a:extLst>
+          </p:cNvPr>
+          <p:cNvSpPr>
+            <a:spLocks noGrp="1"/>
+          </p:cNvSpPr>
+          <p:nvPr>
+            <p:ph type="title"/>
+          </p:nvPr>
+        </p:nvSpPr>
+        <p:spPr/>
+        <p:txBody>
+          <a:bodyPr/>
+          <a:lstStyle/>
+          <a:p>
+            <a:r>
+              <a:rPr lang="de-AT" dirty="0"/>
+              <a:t>Abfrage, Berichte und Formulare im Detail</a:t>
+            </a:r>
+          </a:p>
+        </p:txBody>
+      </p:sp>
+      <p:sp>
+        <p:nvSpPr>
+          <p:cNvPr id="3" name="Inhaltsplatzhalter 2">
+            <a:extLst>
+              <a:ext uri="{FF2B5EF4-FFF2-40B4-BE49-F238E27FC236}">
+                <a16:creationId xmlns:a16="http://schemas.microsoft.com/office/drawing/2014/main" id="{48F50A6C-4D00-4B10-8B8B-068E57C86AE1}"/>
+              </a:ext>
+            </a:extLst>
+          </p:cNvPr>
+          <p:cNvSpPr>
+            <a:spLocks noGrp="1"/>
+          </p:cNvSpPr>
+          <p:nvPr>
+            <p:ph idx="1"/>
+          </p:nvPr>
+        </p:nvSpPr>
+        <p:spPr/>
+        <p:txBody>
+          <a:bodyPr/>
+          <a:lstStyle/>
+          <a:p>
+            <a:r>
+              <a:rPr lang="de-AT" dirty="0"/>
+              <a:t>Was sieht man bei der Erstellung von Abfragen, Berichten und Formularen?</a:t>
+            </a:r>
+          </a:p>
+          <a:p>
+            <a:pPr lvl="1"/>
+            <a:r>
+              <a:rPr lang="de-AT" dirty="0"/>
+              <a:t>Man sieht eine Oberfläche, die es einem erleichtert Daten aus Tabellen zu filtern.</a:t>
+            </a:r>
+          </a:p>
+          <a:p>
+            <a:pPr lvl="1"/>
+            <a:endParaRPr lang="de-AT" dirty="0"/>
+          </a:p>
+          <a:p>
+            <a:r>
+              <a:rPr lang="de-AT" dirty="0"/>
+              <a:t>Was passiert jedoch wirklich im Hintergrund?</a:t>
+            </a:r>
+          </a:p>
+          <a:p>
+            <a:pPr lvl="1"/>
+            <a:r>
+              <a:rPr lang="de-AT" dirty="0"/>
+              <a:t>Im Hintergrund passieren verschiedenste Arten von SQL-</a:t>
+            </a:r>
+            <a:r>
+              <a:rPr lang="de-AT" dirty="0" err="1"/>
+              <a:t>Querys</a:t>
+            </a:r>
+            <a:endParaRPr lang="de-AT" dirty="0"/>
+          </a:p>
+          <a:p>
+            <a:pPr lvl="1"/>
+            <a:r>
+              <a:rPr lang="de-AT" dirty="0"/>
+              <a:t>In Der SQL Ansicht sieht man auch sehr schnell, wie die </a:t>
+            </a:r>
+            <a:r>
+              <a:rPr lang="de-AT" dirty="0" err="1"/>
+              <a:t>Querys</a:t>
+            </a:r>
+            <a:r>
+              <a:rPr lang="de-AT" dirty="0"/>
+              <a:t> lauten und welche </a:t>
+            </a:r>
+            <a:r>
+              <a:rPr lang="de-AT" dirty="0" err="1"/>
+              <a:t>Unions</a:t>
+            </a:r>
+            <a:r>
+              <a:rPr lang="de-AT" dirty="0"/>
+              <a:t>, </a:t>
+            </a:r>
+            <a:r>
+              <a:rPr lang="de-AT" dirty="0" err="1"/>
+              <a:t>Querys</a:t>
+            </a:r>
+            <a:r>
+              <a:rPr lang="de-AT" dirty="0"/>
+              <a:t> und Tabellen verwendet werden um das gewünschte Ergebnis zu erreichen</a:t>
+            </a:r>
+          </a:p>
+        </p:txBody>
+      </p:sp>
+    </p:spTree>
+    <p:extLst>
+      <p:ext uri="{BB962C8B-B14F-4D97-AF65-F5344CB8AC3E}">
+        <p14:creationId xmlns:p14="http://schemas.microsoft.com/office/powerpoint/2010/main" val="3028572635"/>
       </p:ext>
     </p:extLst>
   </p:cSld>
